--- a/Digital Dictionary.pptx
+++ b/Digital Dictionary.pptx
@@ -333,7 +333,7 @@
             <a:fld id="{1D8BD707-D9CF-40AE-B4C6-C98DA3205C09}" type="datetimeFigureOut">
               <a:rPr lang="en-US" smtClean="0"/>
               <a:pPr/>
-              <a:t>8/5/2025</a:t>
+              <a:t>8/7/2025</a:t>
             </a:fld>
             <a:endParaRPr lang="en-US"/>
           </a:p>
@@ -498,7 +498,7 @@
             <a:fld id="{1D8BD707-D9CF-40AE-B4C6-C98DA3205C09}" type="datetimeFigureOut">
               <a:rPr lang="en-US" smtClean="0"/>
               <a:pPr/>
-              <a:t>8/5/2025</a:t>
+              <a:t>8/7/2025</a:t>
             </a:fld>
             <a:endParaRPr lang="en-US"/>
           </a:p>
@@ -673,7 +673,7 @@
             <a:fld id="{1D8BD707-D9CF-40AE-B4C6-C98DA3205C09}" type="datetimeFigureOut">
               <a:rPr lang="en-US" smtClean="0"/>
               <a:pPr/>
-              <a:t>8/5/2025</a:t>
+              <a:t>8/7/2025</a:t>
             </a:fld>
             <a:endParaRPr lang="en-US"/>
           </a:p>
@@ -838,7 +838,7 @@
             <a:fld id="{1D8BD707-D9CF-40AE-B4C6-C98DA3205C09}" type="datetimeFigureOut">
               <a:rPr lang="en-US" smtClean="0"/>
               <a:pPr/>
-              <a:t>8/5/2025</a:t>
+              <a:t>8/7/2025</a:t>
             </a:fld>
             <a:endParaRPr lang="en-US"/>
           </a:p>
@@ -1080,7 +1080,7 @@
             <a:fld id="{1D8BD707-D9CF-40AE-B4C6-C98DA3205C09}" type="datetimeFigureOut">
               <a:rPr lang="en-US" smtClean="0"/>
               <a:pPr/>
-              <a:t>8/5/2025</a:t>
+              <a:t>8/7/2025</a:t>
             </a:fld>
             <a:endParaRPr lang="en-US"/>
           </a:p>
@@ -1362,7 +1362,7 @@
             <a:fld id="{1D8BD707-D9CF-40AE-B4C6-C98DA3205C09}" type="datetimeFigureOut">
               <a:rPr lang="en-US" smtClean="0"/>
               <a:pPr/>
-              <a:t>8/5/2025</a:t>
+              <a:t>8/7/2025</a:t>
             </a:fld>
             <a:endParaRPr lang="en-US"/>
           </a:p>
@@ -1778,7 +1778,7 @@
             <a:fld id="{1D8BD707-D9CF-40AE-B4C6-C98DA3205C09}" type="datetimeFigureOut">
               <a:rPr lang="en-US" smtClean="0"/>
               <a:pPr/>
-              <a:t>8/5/2025</a:t>
+              <a:t>8/7/2025</a:t>
             </a:fld>
             <a:endParaRPr lang="en-US"/>
           </a:p>
@@ -1892,7 +1892,7 @@
             <a:fld id="{1D8BD707-D9CF-40AE-B4C6-C98DA3205C09}" type="datetimeFigureOut">
               <a:rPr lang="en-US" smtClean="0"/>
               <a:pPr/>
-              <a:t>8/5/2025</a:t>
+              <a:t>8/7/2025</a:t>
             </a:fld>
             <a:endParaRPr lang="en-US"/>
           </a:p>
@@ -1984,7 +1984,7 @@
             <a:fld id="{1D8BD707-D9CF-40AE-B4C6-C98DA3205C09}" type="datetimeFigureOut">
               <a:rPr lang="en-US" smtClean="0"/>
               <a:pPr/>
-              <a:t>8/5/2025</a:t>
+              <a:t>8/7/2025</a:t>
             </a:fld>
             <a:endParaRPr lang="en-US"/>
           </a:p>
@@ -2256,7 +2256,7 @@
             <a:fld id="{1D8BD707-D9CF-40AE-B4C6-C98DA3205C09}" type="datetimeFigureOut">
               <a:rPr lang="en-US" smtClean="0"/>
               <a:pPr/>
-              <a:t>8/5/2025</a:t>
+              <a:t>8/7/2025</a:t>
             </a:fld>
             <a:endParaRPr lang="en-US"/>
           </a:p>
@@ -2505,7 +2505,7 @@
             <a:fld id="{1D8BD707-D9CF-40AE-B4C6-C98DA3205C09}" type="datetimeFigureOut">
               <a:rPr lang="en-US" smtClean="0"/>
               <a:pPr/>
-              <a:t>8/5/2025</a:t>
+              <a:t>8/7/2025</a:t>
             </a:fld>
             <a:endParaRPr lang="en-US"/>
           </a:p>
@@ -2713,7 +2713,7 @@
             <a:fld id="{1D8BD707-D9CF-40AE-B4C6-C98DA3205C09}" type="datetimeFigureOut">
               <a:rPr lang="en-US" smtClean="0"/>
               <a:pPr/>
-              <a:t>8/5/2025</a:t>
+              <a:t>8/7/2025</a:t>
             </a:fld>
             <a:endParaRPr lang="en-US"/>
           </a:p>
@@ -12054,7 +12054,7 @@
           <p:spPr>
             <a:xfrm>
               <a:off x="1332924" y="4912833"/>
-              <a:ext cx="9344844" cy="3939540"/>
+              <a:ext cx="9344844" cy="4596131"/>
             </a:xfrm>
             <a:prstGeom prst="rect">
               <a:avLst/>
@@ -12153,6 +12153,21 @@
                   <a:latin typeface="Red Hat Display" panose="020B0604020202020204" charset="0"/>
                 </a:rPr>
                 <a:t>Related image</a:t>
+              </a:r>
+            </a:p>
+            <a:p>
+              <a:pPr marL="457200" indent="-457200">
+                <a:buFont typeface="Arial" panose="020B0604020202020204" pitchFamily="34" charset="0"/>
+                <a:buChar char="•"/>
+              </a:pPr>
+              <a:r>
+                <a:rPr lang="en-GB" sz="3200" dirty="0">
+                  <a:solidFill>
+                    <a:schemeClr val="bg1"/>
+                  </a:solidFill>
+                  <a:latin typeface="Red Hat Display" panose="020B0604020202020204" charset="0"/>
+                </a:rPr>
+                <a:t>Word for the day</a:t>
               </a:r>
             </a:p>
           </p:txBody>
